--- a/Time_series.pptx
+++ b/Time_series.pptx
@@ -3327,7 +3327,7 @@
           <p:cNvPr id="0" name="slide1">
             <a:extLst>
               <a:ext uri="{FF2B5EF4-FFF2-40B4-BE49-F238E27FC236}">
-                <a16:creationId xmlns:a16="http://schemas.microsoft.com/office/drawing/2014/main" id="{3CBE4B18-B6F6-4387-B1C9-7283DD410C1F}"/>
+                <a16:creationId xmlns:a16="http://schemas.microsoft.com/office/drawing/2014/main" id="{7CF149CE-9007-416A-8DE2-BC9BCD7BB73D}"/>
               </a:ext>
             </a:extLst>
           </p:cNvPr>
@@ -3355,7 +3355,7 @@
           <p:cNvPr id="1" name="slide1">
             <a:extLst>
               <a:ext uri="{FF2B5EF4-FFF2-40B4-BE49-F238E27FC236}">
-                <a16:creationId xmlns:a16="http://schemas.microsoft.com/office/drawing/2014/main" id="{495312C8-7409-4EC1-91E1-05A98437240A}"/>
+                <a16:creationId xmlns:a16="http://schemas.microsoft.com/office/drawing/2014/main" id="{DBB31D75-5564-4D7F-8734-ABC547FA8F91}"/>
               </a:ext>
             </a:extLst>
           </p:cNvPr>
@@ -3373,7 +3373,7 @@
           <a:p>
             <a:r>
               <a:rPr/>
-              <a:t>File created on: 14-06-2020 01:13:21</a:t>
+              <a:t>File created on: 14-06-2020 15:27:40</a:t>
             </a:r>
           </a:p>
         </p:txBody>
@@ -3410,10 +3410,10 @@
       </p:grpSpPr>
       <p:pic>
         <p:nvPicPr>
-          <p:cNvPr descr="Story 11" id="2" name="slide2">
-            <a:extLst>
-              <a:ext uri="{FF2B5EF4-FFF2-40B4-BE49-F238E27FC236}">
-                <a16:creationId xmlns:a16="http://schemas.microsoft.com/office/drawing/2014/main" id="{9B3B8006-ACAA-4F94-9CF6-41035EA3887D}"/>
+          <p:cNvPr descr="Time Series Analysis" id="2" name="slide2">
+            <a:extLst>
+              <a:ext uri="{FF2B5EF4-FFF2-40B4-BE49-F238E27FC236}">
+                <a16:creationId xmlns:a16="http://schemas.microsoft.com/office/drawing/2014/main" id="{FC33FFF4-93E6-408F-B932-168A3352C9CC}"/>
               </a:ext>
             </a:extLst>
           </p:cNvPr>
@@ -3436,8 +3436,8 @@
         </p:blipFill>
         <p:spPr>
           <a:xfrm>
-            <a:off x="0" y="261434"/>
-            <a:ext cx="12192000" cy="6335131"/>
+            <a:off x="0" y="407211"/>
+            <a:ext cx="12192000" cy="6043577"/>
           </a:xfrm>
           <a:prstGeom prst="rect">
             <a:avLst/>
